--- a/ppt 16-9/0518.预备听道.pptx
+++ b/ppt 16-9/0518.预备听道.pptx
@@ -5,7 +5,7 @@
     <p:sldMasterId id="2147483648" r:id="rId1"/>
   </p:sldMasterIdLst>
   <p:sldIdLst>
-    <p:sldId id="2249" r:id="rId2"/>
+    <p:sldId id="2250" r:id="rId2"/>
   </p:sldIdLst>
   <p:sldSz cx="12192000" cy="6858000"/>
   <p:notesSz cx="6858000" cy="9144000"/>
@@ -129,7 +129,7 @@
           <p:cNvPr id="2" name="标题 1">
             <a:extLst>
               <a:ext uri="{FF2B5EF4-FFF2-40B4-BE49-F238E27FC236}">
-                <a16:creationId xmlns:a16="http://schemas.microsoft.com/office/drawing/2014/main" id="{1DE92CA2-94B0-9208-91B9-DC37AF362852}"/>
+                <a16:creationId xmlns:a16="http://schemas.microsoft.com/office/drawing/2014/main" id="{877D759D-6D44-2F4E-7A78-88FBAE4C6C48}"/>
               </a:ext>
             </a:extLst>
           </p:cNvPr>
@@ -166,7 +166,7 @@
           <p:cNvPr id="3" name="副标题 2">
             <a:extLst>
               <a:ext uri="{FF2B5EF4-FFF2-40B4-BE49-F238E27FC236}">
-                <a16:creationId xmlns:a16="http://schemas.microsoft.com/office/drawing/2014/main" id="{2092D203-5C7A-6D36-9076-4E9A86448F6F}"/>
+                <a16:creationId xmlns:a16="http://schemas.microsoft.com/office/drawing/2014/main" id="{A1255C83-194E-B413-5412-71B44FF9ACC0}"/>
               </a:ext>
             </a:extLst>
           </p:cNvPr>
@@ -236,7 +236,7 @@
           <p:cNvPr id="4" name="日期占位符 3">
             <a:extLst>
               <a:ext uri="{FF2B5EF4-FFF2-40B4-BE49-F238E27FC236}">
-                <a16:creationId xmlns:a16="http://schemas.microsoft.com/office/drawing/2014/main" id="{6E67A6A5-4302-CE2E-DC18-D202E5C0DECA}"/>
+                <a16:creationId xmlns:a16="http://schemas.microsoft.com/office/drawing/2014/main" id="{4CDD1ABA-E002-A81B-4F5C-FC007C5729EC}"/>
               </a:ext>
             </a:extLst>
           </p:cNvPr>
@@ -252,7 +252,7 @@
           <a:bodyPr/>
           <a:lstStyle/>
           <a:p>
-            <a:fld id="{F1E47892-FCA2-487E-A261-404B6675F697}" type="datetimeFigureOut">
+            <a:fld id="{DF4C4B23-B179-4CED-A02A-CF54174482E1}" type="datetimeFigureOut">
               <a:rPr lang="zh-CN" altLang="en-US" smtClean="0"/>
               <a:t>2024/3/10</a:t>
             </a:fld>
@@ -265,7 +265,7 @@
           <p:cNvPr id="5" name="页脚占位符 4">
             <a:extLst>
               <a:ext uri="{FF2B5EF4-FFF2-40B4-BE49-F238E27FC236}">
-                <a16:creationId xmlns:a16="http://schemas.microsoft.com/office/drawing/2014/main" id="{1EE80BD2-47D4-8656-F953-7ECD037046B1}"/>
+                <a16:creationId xmlns:a16="http://schemas.microsoft.com/office/drawing/2014/main" id="{1596BB97-1A48-F1AA-BAD9-51DA254D45F5}"/>
               </a:ext>
             </a:extLst>
           </p:cNvPr>
@@ -290,7 +290,7 @@
           <p:cNvPr id="6" name="灯片编号占位符 5">
             <a:extLst>
               <a:ext uri="{FF2B5EF4-FFF2-40B4-BE49-F238E27FC236}">
-                <a16:creationId xmlns:a16="http://schemas.microsoft.com/office/drawing/2014/main" id="{242FEDF3-486E-C86E-1990-BB8B805D7E68}"/>
+                <a16:creationId xmlns:a16="http://schemas.microsoft.com/office/drawing/2014/main" id="{1D4DE638-D363-1E70-CC62-B5DC63B65DCA}"/>
               </a:ext>
             </a:extLst>
           </p:cNvPr>
@@ -306,7 +306,7 @@
           <a:bodyPr/>
           <a:lstStyle/>
           <a:p>
-            <a:fld id="{BF23EC1F-3AB1-4A00-904A-D2B7ABCFDB4D}" type="slidenum">
+            <a:fld id="{35A8E3FF-9C06-4AC3-BD1D-29771C25966A}" type="slidenum">
               <a:rPr lang="zh-CN" altLang="en-US" smtClean="0"/>
               <a:t>‹#›</a:t>
             </a:fld>
@@ -317,7 +317,7 @@
     </p:spTree>
     <p:extLst>
       <p:ext uri="{BB962C8B-B14F-4D97-AF65-F5344CB8AC3E}">
-        <p14:creationId xmlns:p14="http://schemas.microsoft.com/office/powerpoint/2010/main" val="2095467558"/>
+        <p14:creationId xmlns:p14="http://schemas.microsoft.com/office/powerpoint/2010/main" val="3258361230"/>
       </p:ext>
     </p:extLst>
   </p:cSld>
@@ -349,7 +349,7 @@
           <p:cNvPr id="2" name="标题 1">
             <a:extLst>
               <a:ext uri="{FF2B5EF4-FFF2-40B4-BE49-F238E27FC236}">
-                <a16:creationId xmlns:a16="http://schemas.microsoft.com/office/drawing/2014/main" id="{B6FC3F9E-F70E-C29A-62A5-681B38E81BE5}"/>
+                <a16:creationId xmlns:a16="http://schemas.microsoft.com/office/drawing/2014/main" id="{CD039CB6-BDF8-D74B-0E8B-08F6C6E7330E}"/>
               </a:ext>
             </a:extLst>
           </p:cNvPr>
@@ -377,7 +377,7 @@
           <p:cNvPr id="3" name="竖排文字占位符 2">
             <a:extLst>
               <a:ext uri="{FF2B5EF4-FFF2-40B4-BE49-F238E27FC236}">
-                <a16:creationId xmlns:a16="http://schemas.microsoft.com/office/drawing/2014/main" id="{24D4160F-E1A5-F7F6-971B-32BA183E2820}"/>
+                <a16:creationId xmlns:a16="http://schemas.microsoft.com/office/drawing/2014/main" id="{5C1E9B78-E6AE-8996-95DD-7B5887A294EC}"/>
               </a:ext>
             </a:extLst>
           </p:cNvPr>
@@ -434,7 +434,7 @@
           <p:cNvPr id="4" name="日期占位符 3">
             <a:extLst>
               <a:ext uri="{FF2B5EF4-FFF2-40B4-BE49-F238E27FC236}">
-                <a16:creationId xmlns:a16="http://schemas.microsoft.com/office/drawing/2014/main" id="{9F3C7608-A72F-03D1-FDA3-6289F35BD1F2}"/>
+                <a16:creationId xmlns:a16="http://schemas.microsoft.com/office/drawing/2014/main" id="{14CC50EB-6299-B8E1-A605-F100538AF8F2}"/>
               </a:ext>
             </a:extLst>
           </p:cNvPr>
@@ -450,7 +450,7 @@
           <a:bodyPr/>
           <a:lstStyle/>
           <a:p>
-            <a:fld id="{F1E47892-FCA2-487E-A261-404B6675F697}" type="datetimeFigureOut">
+            <a:fld id="{DF4C4B23-B179-4CED-A02A-CF54174482E1}" type="datetimeFigureOut">
               <a:rPr lang="zh-CN" altLang="en-US" smtClean="0"/>
               <a:t>2024/3/10</a:t>
             </a:fld>
@@ -463,7 +463,7 @@
           <p:cNvPr id="5" name="页脚占位符 4">
             <a:extLst>
               <a:ext uri="{FF2B5EF4-FFF2-40B4-BE49-F238E27FC236}">
-                <a16:creationId xmlns:a16="http://schemas.microsoft.com/office/drawing/2014/main" id="{F1A28175-73D5-3DAC-5789-421F4536D8DC}"/>
+                <a16:creationId xmlns:a16="http://schemas.microsoft.com/office/drawing/2014/main" id="{E47321BC-127F-CC22-7105-162AC5C4C7FF}"/>
               </a:ext>
             </a:extLst>
           </p:cNvPr>
@@ -488,7 +488,7 @@
           <p:cNvPr id="6" name="灯片编号占位符 5">
             <a:extLst>
               <a:ext uri="{FF2B5EF4-FFF2-40B4-BE49-F238E27FC236}">
-                <a16:creationId xmlns:a16="http://schemas.microsoft.com/office/drawing/2014/main" id="{42ED645A-6576-A053-849D-2D1535848D02}"/>
+                <a16:creationId xmlns:a16="http://schemas.microsoft.com/office/drawing/2014/main" id="{99C587E0-5667-6753-BC80-3C97048233B4}"/>
               </a:ext>
             </a:extLst>
           </p:cNvPr>
@@ -504,7 +504,7 @@
           <a:bodyPr/>
           <a:lstStyle/>
           <a:p>
-            <a:fld id="{BF23EC1F-3AB1-4A00-904A-D2B7ABCFDB4D}" type="slidenum">
+            <a:fld id="{35A8E3FF-9C06-4AC3-BD1D-29771C25966A}" type="slidenum">
               <a:rPr lang="zh-CN" altLang="en-US" smtClean="0"/>
               <a:t>‹#›</a:t>
             </a:fld>
@@ -515,7 +515,7 @@
     </p:spTree>
     <p:extLst>
       <p:ext uri="{BB962C8B-B14F-4D97-AF65-F5344CB8AC3E}">
-        <p14:creationId xmlns:p14="http://schemas.microsoft.com/office/powerpoint/2010/main" val="2629301743"/>
+        <p14:creationId xmlns:p14="http://schemas.microsoft.com/office/powerpoint/2010/main" val="1724412620"/>
       </p:ext>
     </p:extLst>
   </p:cSld>
@@ -547,7 +547,7 @@
           <p:cNvPr id="2" name="竖排标题 1">
             <a:extLst>
               <a:ext uri="{FF2B5EF4-FFF2-40B4-BE49-F238E27FC236}">
-                <a16:creationId xmlns:a16="http://schemas.microsoft.com/office/drawing/2014/main" id="{525C1B06-858E-7F74-6C53-A91CBC9962AB}"/>
+                <a16:creationId xmlns:a16="http://schemas.microsoft.com/office/drawing/2014/main" id="{5F40F745-7DE2-076F-7ACB-F9457E7F2532}"/>
               </a:ext>
             </a:extLst>
           </p:cNvPr>
@@ -580,7 +580,7 @@
           <p:cNvPr id="3" name="竖排文字占位符 2">
             <a:extLst>
               <a:ext uri="{FF2B5EF4-FFF2-40B4-BE49-F238E27FC236}">
-                <a16:creationId xmlns:a16="http://schemas.microsoft.com/office/drawing/2014/main" id="{9F047346-A6E5-691C-3E54-E5A06342C622}"/>
+                <a16:creationId xmlns:a16="http://schemas.microsoft.com/office/drawing/2014/main" id="{4AD4C9A1-72C9-C534-05CF-E9A120F6C6E6}"/>
               </a:ext>
             </a:extLst>
           </p:cNvPr>
@@ -642,7 +642,7 @@
           <p:cNvPr id="4" name="日期占位符 3">
             <a:extLst>
               <a:ext uri="{FF2B5EF4-FFF2-40B4-BE49-F238E27FC236}">
-                <a16:creationId xmlns:a16="http://schemas.microsoft.com/office/drawing/2014/main" id="{DAA9ABBE-9977-6210-BA35-76DB7C00EF7A}"/>
+                <a16:creationId xmlns:a16="http://schemas.microsoft.com/office/drawing/2014/main" id="{DE79B558-4CC9-ACA6-BF71-251CD7F0AFF0}"/>
               </a:ext>
             </a:extLst>
           </p:cNvPr>
@@ -658,7 +658,7 @@
           <a:bodyPr/>
           <a:lstStyle/>
           <a:p>
-            <a:fld id="{F1E47892-FCA2-487E-A261-404B6675F697}" type="datetimeFigureOut">
+            <a:fld id="{DF4C4B23-B179-4CED-A02A-CF54174482E1}" type="datetimeFigureOut">
               <a:rPr lang="zh-CN" altLang="en-US" smtClean="0"/>
               <a:t>2024/3/10</a:t>
             </a:fld>
@@ -671,7 +671,7 @@
           <p:cNvPr id="5" name="页脚占位符 4">
             <a:extLst>
               <a:ext uri="{FF2B5EF4-FFF2-40B4-BE49-F238E27FC236}">
-                <a16:creationId xmlns:a16="http://schemas.microsoft.com/office/drawing/2014/main" id="{1AAB6C13-7093-A423-D310-0D0FE6C5A44E}"/>
+                <a16:creationId xmlns:a16="http://schemas.microsoft.com/office/drawing/2014/main" id="{DADED0AA-2B87-55AB-F84A-1749E6EAAFED}"/>
               </a:ext>
             </a:extLst>
           </p:cNvPr>
@@ -696,7 +696,7 @@
           <p:cNvPr id="6" name="灯片编号占位符 5">
             <a:extLst>
               <a:ext uri="{FF2B5EF4-FFF2-40B4-BE49-F238E27FC236}">
-                <a16:creationId xmlns:a16="http://schemas.microsoft.com/office/drawing/2014/main" id="{688BE977-55CA-D8A6-83B8-F479995C3305}"/>
+                <a16:creationId xmlns:a16="http://schemas.microsoft.com/office/drawing/2014/main" id="{79A1C5D9-1066-EEEE-E3DD-2D381FAB628E}"/>
               </a:ext>
             </a:extLst>
           </p:cNvPr>
@@ -712,7 +712,7 @@
           <a:bodyPr/>
           <a:lstStyle/>
           <a:p>
-            <a:fld id="{BF23EC1F-3AB1-4A00-904A-D2B7ABCFDB4D}" type="slidenum">
+            <a:fld id="{35A8E3FF-9C06-4AC3-BD1D-29771C25966A}" type="slidenum">
               <a:rPr lang="zh-CN" altLang="en-US" smtClean="0"/>
               <a:t>‹#›</a:t>
             </a:fld>
@@ -723,7 +723,7 @@
     </p:spTree>
     <p:extLst>
       <p:ext uri="{BB962C8B-B14F-4D97-AF65-F5344CB8AC3E}">
-        <p14:creationId xmlns:p14="http://schemas.microsoft.com/office/powerpoint/2010/main" val="3690917991"/>
+        <p14:creationId xmlns:p14="http://schemas.microsoft.com/office/powerpoint/2010/main" val="2755023872"/>
       </p:ext>
     </p:extLst>
   </p:cSld>
@@ -755,7 +755,7 @@
           <p:cNvPr id="2" name="标题 1">
             <a:extLst>
               <a:ext uri="{FF2B5EF4-FFF2-40B4-BE49-F238E27FC236}">
-                <a16:creationId xmlns:a16="http://schemas.microsoft.com/office/drawing/2014/main" id="{7A9070FD-6D48-9B29-E52F-F8FAF10FA173}"/>
+                <a16:creationId xmlns:a16="http://schemas.microsoft.com/office/drawing/2014/main" id="{9BDAF87D-14D5-C5A1-8B2D-1ADD1158D148}"/>
               </a:ext>
             </a:extLst>
           </p:cNvPr>
@@ -783,7 +783,7 @@
           <p:cNvPr id="3" name="内容占位符 2">
             <a:extLst>
               <a:ext uri="{FF2B5EF4-FFF2-40B4-BE49-F238E27FC236}">
-                <a16:creationId xmlns:a16="http://schemas.microsoft.com/office/drawing/2014/main" id="{2B2BAAC3-80D5-468F-C24B-B84B2A5A44EC}"/>
+                <a16:creationId xmlns:a16="http://schemas.microsoft.com/office/drawing/2014/main" id="{DF8E1838-A956-1012-A838-D19B17933FBC}"/>
               </a:ext>
             </a:extLst>
           </p:cNvPr>
@@ -840,7 +840,7 @@
           <p:cNvPr id="4" name="日期占位符 3">
             <a:extLst>
               <a:ext uri="{FF2B5EF4-FFF2-40B4-BE49-F238E27FC236}">
-                <a16:creationId xmlns:a16="http://schemas.microsoft.com/office/drawing/2014/main" id="{2C500B9A-1103-9C7B-D0DF-DE918E5F7642}"/>
+                <a16:creationId xmlns:a16="http://schemas.microsoft.com/office/drawing/2014/main" id="{18316DA1-59F3-8A26-F0EB-47D3955FD92F}"/>
               </a:ext>
             </a:extLst>
           </p:cNvPr>
@@ -856,7 +856,7 @@
           <a:bodyPr/>
           <a:lstStyle/>
           <a:p>
-            <a:fld id="{F1E47892-FCA2-487E-A261-404B6675F697}" type="datetimeFigureOut">
+            <a:fld id="{DF4C4B23-B179-4CED-A02A-CF54174482E1}" type="datetimeFigureOut">
               <a:rPr lang="zh-CN" altLang="en-US" smtClean="0"/>
               <a:t>2024/3/10</a:t>
             </a:fld>
@@ -869,7 +869,7 @@
           <p:cNvPr id="5" name="页脚占位符 4">
             <a:extLst>
               <a:ext uri="{FF2B5EF4-FFF2-40B4-BE49-F238E27FC236}">
-                <a16:creationId xmlns:a16="http://schemas.microsoft.com/office/drawing/2014/main" id="{B9DF31A7-9EAD-1182-44BD-3BB396D32C71}"/>
+                <a16:creationId xmlns:a16="http://schemas.microsoft.com/office/drawing/2014/main" id="{23B0C29A-8814-A356-C4B3-2FC16F82E45A}"/>
               </a:ext>
             </a:extLst>
           </p:cNvPr>
@@ -894,7 +894,7 @@
           <p:cNvPr id="6" name="灯片编号占位符 5">
             <a:extLst>
               <a:ext uri="{FF2B5EF4-FFF2-40B4-BE49-F238E27FC236}">
-                <a16:creationId xmlns:a16="http://schemas.microsoft.com/office/drawing/2014/main" id="{851170F6-C0BE-7224-1E6B-439F94FA7DD6}"/>
+                <a16:creationId xmlns:a16="http://schemas.microsoft.com/office/drawing/2014/main" id="{A1D9C48E-C273-9675-975A-891464E46219}"/>
               </a:ext>
             </a:extLst>
           </p:cNvPr>
@@ -910,7 +910,7 @@
           <a:bodyPr/>
           <a:lstStyle/>
           <a:p>
-            <a:fld id="{BF23EC1F-3AB1-4A00-904A-D2B7ABCFDB4D}" type="slidenum">
+            <a:fld id="{35A8E3FF-9C06-4AC3-BD1D-29771C25966A}" type="slidenum">
               <a:rPr lang="zh-CN" altLang="en-US" smtClean="0"/>
               <a:t>‹#›</a:t>
             </a:fld>
@@ -921,7 +921,7 @@
     </p:spTree>
     <p:extLst>
       <p:ext uri="{BB962C8B-B14F-4D97-AF65-F5344CB8AC3E}">
-        <p14:creationId xmlns:p14="http://schemas.microsoft.com/office/powerpoint/2010/main" val="3254800507"/>
+        <p14:creationId xmlns:p14="http://schemas.microsoft.com/office/powerpoint/2010/main" val="1401042855"/>
       </p:ext>
     </p:extLst>
   </p:cSld>
@@ -953,7 +953,7 @@
           <p:cNvPr id="2" name="标题 1">
             <a:extLst>
               <a:ext uri="{FF2B5EF4-FFF2-40B4-BE49-F238E27FC236}">
-                <a16:creationId xmlns:a16="http://schemas.microsoft.com/office/drawing/2014/main" id="{41CB1150-DAC7-58E9-B1EF-0AF95B9C4AF6}"/>
+                <a16:creationId xmlns:a16="http://schemas.microsoft.com/office/drawing/2014/main" id="{214CE6CA-8293-0392-E4C1-294B909C86BC}"/>
               </a:ext>
             </a:extLst>
           </p:cNvPr>
@@ -990,7 +990,7 @@
           <p:cNvPr id="3" name="文本占位符 2">
             <a:extLst>
               <a:ext uri="{FF2B5EF4-FFF2-40B4-BE49-F238E27FC236}">
-                <a16:creationId xmlns:a16="http://schemas.microsoft.com/office/drawing/2014/main" id="{E322B50D-57BD-E5FF-7B18-DC65AC611E77}"/>
+                <a16:creationId xmlns:a16="http://schemas.microsoft.com/office/drawing/2014/main" id="{58AF6240-DFDB-8D89-5A38-5D611002528B}"/>
               </a:ext>
             </a:extLst>
           </p:cNvPr>
@@ -1115,7 +1115,7 @@
           <p:cNvPr id="4" name="日期占位符 3">
             <a:extLst>
               <a:ext uri="{FF2B5EF4-FFF2-40B4-BE49-F238E27FC236}">
-                <a16:creationId xmlns:a16="http://schemas.microsoft.com/office/drawing/2014/main" id="{A42A740A-F066-E597-68AE-A269A6FB6DDC}"/>
+                <a16:creationId xmlns:a16="http://schemas.microsoft.com/office/drawing/2014/main" id="{03E474E6-630A-4FC9-3064-056231BE0F5F}"/>
               </a:ext>
             </a:extLst>
           </p:cNvPr>
@@ -1131,7 +1131,7 @@
           <a:bodyPr/>
           <a:lstStyle/>
           <a:p>
-            <a:fld id="{F1E47892-FCA2-487E-A261-404B6675F697}" type="datetimeFigureOut">
+            <a:fld id="{DF4C4B23-B179-4CED-A02A-CF54174482E1}" type="datetimeFigureOut">
               <a:rPr lang="zh-CN" altLang="en-US" smtClean="0"/>
               <a:t>2024/3/10</a:t>
             </a:fld>
@@ -1144,7 +1144,7 @@
           <p:cNvPr id="5" name="页脚占位符 4">
             <a:extLst>
               <a:ext uri="{FF2B5EF4-FFF2-40B4-BE49-F238E27FC236}">
-                <a16:creationId xmlns:a16="http://schemas.microsoft.com/office/drawing/2014/main" id="{D1927D18-9F48-7492-EF84-09E88ACBA89F}"/>
+                <a16:creationId xmlns:a16="http://schemas.microsoft.com/office/drawing/2014/main" id="{34DFBAC4-ED29-73D5-065A-11CA0D35F5B6}"/>
               </a:ext>
             </a:extLst>
           </p:cNvPr>
@@ -1169,7 +1169,7 @@
           <p:cNvPr id="6" name="灯片编号占位符 5">
             <a:extLst>
               <a:ext uri="{FF2B5EF4-FFF2-40B4-BE49-F238E27FC236}">
-                <a16:creationId xmlns:a16="http://schemas.microsoft.com/office/drawing/2014/main" id="{F69A5210-BA97-6CD0-BEED-A6B60989A96C}"/>
+                <a16:creationId xmlns:a16="http://schemas.microsoft.com/office/drawing/2014/main" id="{4D4B55FD-29B8-78A7-2453-3E5BFD0FA56C}"/>
               </a:ext>
             </a:extLst>
           </p:cNvPr>
@@ -1185,7 +1185,7 @@
           <a:bodyPr/>
           <a:lstStyle/>
           <a:p>
-            <a:fld id="{BF23EC1F-3AB1-4A00-904A-D2B7ABCFDB4D}" type="slidenum">
+            <a:fld id="{35A8E3FF-9C06-4AC3-BD1D-29771C25966A}" type="slidenum">
               <a:rPr lang="zh-CN" altLang="en-US" smtClean="0"/>
               <a:t>‹#›</a:t>
             </a:fld>
@@ -1196,7 +1196,7 @@
     </p:spTree>
     <p:extLst>
       <p:ext uri="{BB962C8B-B14F-4D97-AF65-F5344CB8AC3E}">
-        <p14:creationId xmlns:p14="http://schemas.microsoft.com/office/powerpoint/2010/main" val="1599079321"/>
+        <p14:creationId xmlns:p14="http://schemas.microsoft.com/office/powerpoint/2010/main" val="3163174203"/>
       </p:ext>
     </p:extLst>
   </p:cSld>
@@ -1228,7 +1228,7 @@
           <p:cNvPr id="2" name="标题 1">
             <a:extLst>
               <a:ext uri="{FF2B5EF4-FFF2-40B4-BE49-F238E27FC236}">
-                <a16:creationId xmlns:a16="http://schemas.microsoft.com/office/drawing/2014/main" id="{8678CCE5-1265-D057-B950-96124B62556D}"/>
+                <a16:creationId xmlns:a16="http://schemas.microsoft.com/office/drawing/2014/main" id="{AA23A70A-A09C-C4D7-7538-4B93C53AE4D6}"/>
               </a:ext>
             </a:extLst>
           </p:cNvPr>
@@ -1256,7 +1256,7 @@
           <p:cNvPr id="3" name="内容占位符 2">
             <a:extLst>
               <a:ext uri="{FF2B5EF4-FFF2-40B4-BE49-F238E27FC236}">
-                <a16:creationId xmlns:a16="http://schemas.microsoft.com/office/drawing/2014/main" id="{E4C9E67D-F327-26F7-FF07-1248C70CE21F}"/>
+                <a16:creationId xmlns:a16="http://schemas.microsoft.com/office/drawing/2014/main" id="{CA3C414F-756E-AB20-0F1F-48B4F556A5E6}"/>
               </a:ext>
             </a:extLst>
           </p:cNvPr>
@@ -1318,7 +1318,7 @@
           <p:cNvPr id="4" name="内容占位符 3">
             <a:extLst>
               <a:ext uri="{FF2B5EF4-FFF2-40B4-BE49-F238E27FC236}">
-                <a16:creationId xmlns:a16="http://schemas.microsoft.com/office/drawing/2014/main" id="{020FFECE-3875-7864-46E2-9347F94EFFB0}"/>
+                <a16:creationId xmlns:a16="http://schemas.microsoft.com/office/drawing/2014/main" id="{E2BCD060-92AA-569F-2D3C-EBF087C2AA2B}"/>
               </a:ext>
             </a:extLst>
           </p:cNvPr>
@@ -1380,7 +1380,7 @@
           <p:cNvPr id="5" name="日期占位符 4">
             <a:extLst>
               <a:ext uri="{FF2B5EF4-FFF2-40B4-BE49-F238E27FC236}">
-                <a16:creationId xmlns:a16="http://schemas.microsoft.com/office/drawing/2014/main" id="{7E8C8AD8-36E5-B1E9-8980-FE92BC87C53C}"/>
+                <a16:creationId xmlns:a16="http://schemas.microsoft.com/office/drawing/2014/main" id="{6B61FFBB-95B7-5A13-BF0B-C436DFEEA632}"/>
               </a:ext>
             </a:extLst>
           </p:cNvPr>
@@ -1396,7 +1396,7 @@
           <a:bodyPr/>
           <a:lstStyle/>
           <a:p>
-            <a:fld id="{F1E47892-FCA2-487E-A261-404B6675F697}" type="datetimeFigureOut">
+            <a:fld id="{DF4C4B23-B179-4CED-A02A-CF54174482E1}" type="datetimeFigureOut">
               <a:rPr lang="zh-CN" altLang="en-US" smtClean="0"/>
               <a:t>2024/3/10</a:t>
             </a:fld>
@@ -1409,7 +1409,7 @@
           <p:cNvPr id="6" name="页脚占位符 5">
             <a:extLst>
               <a:ext uri="{FF2B5EF4-FFF2-40B4-BE49-F238E27FC236}">
-                <a16:creationId xmlns:a16="http://schemas.microsoft.com/office/drawing/2014/main" id="{F8C95BE8-03CE-9179-E324-D7AE2772CF94}"/>
+                <a16:creationId xmlns:a16="http://schemas.microsoft.com/office/drawing/2014/main" id="{FBC3070A-160B-5A05-19F8-EB8FBD34B7FF}"/>
               </a:ext>
             </a:extLst>
           </p:cNvPr>
@@ -1434,7 +1434,7 @@
           <p:cNvPr id="7" name="灯片编号占位符 6">
             <a:extLst>
               <a:ext uri="{FF2B5EF4-FFF2-40B4-BE49-F238E27FC236}">
-                <a16:creationId xmlns:a16="http://schemas.microsoft.com/office/drawing/2014/main" id="{CA68844B-106B-F787-88FA-F2D6CC49BB77}"/>
+                <a16:creationId xmlns:a16="http://schemas.microsoft.com/office/drawing/2014/main" id="{36C308CF-FAD1-EDB8-AD5C-EC0EED987559}"/>
               </a:ext>
             </a:extLst>
           </p:cNvPr>
@@ -1450,7 +1450,7 @@
           <a:bodyPr/>
           <a:lstStyle/>
           <a:p>
-            <a:fld id="{BF23EC1F-3AB1-4A00-904A-D2B7ABCFDB4D}" type="slidenum">
+            <a:fld id="{35A8E3FF-9C06-4AC3-BD1D-29771C25966A}" type="slidenum">
               <a:rPr lang="zh-CN" altLang="en-US" smtClean="0"/>
               <a:t>‹#›</a:t>
             </a:fld>
@@ -1461,7 +1461,7 @@
     </p:spTree>
     <p:extLst>
       <p:ext uri="{BB962C8B-B14F-4D97-AF65-F5344CB8AC3E}">
-        <p14:creationId xmlns:p14="http://schemas.microsoft.com/office/powerpoint/2010/main" val="124230726"/>
+        <p14:creationId xmlns:p14="http://schemas.microsoft.com/office/powerpoint/2010/main" val="1130861304"/>
       </p:ext>
     </p:extLst>
   </p:cSld>
@@ -1493,7 +1493,7 @@
           <p:cNvPr id="2" name="标题 1">
             <a:extLst>
               <a:ext uri="{FF2B5EF4-FFF2-40B4-BE49-F238E27FC236}">
-                <a16:creationId xmlns:a16="http://schemas.microsoft.com/office/drawing/2014/main" id="{5C10F391-64AE-AEFB-D50F-962D6A6B3B8C}"/>
+                <a16:creationId xmlns:a16="http://schemas.microsoft.com/office/drawing/2014/main" id="{7BEAA9E4-863B-9153-CA44-FCB4F26FFF1B}"/>
               </a:ext>
             </a:extLst>
           </p:cNvPr>
@@ -1526,7 +1526,7 @@
           <p:cNvPr id="3" name="文本占位符 2">
             <a:extLst>
               <a:ext uri="{FF2B5EF4-FFF2-40B4-BE49-F238E27FC236}">
-                <a16:creationId xmlns:a16="http://schemas.microsoft.com/office/drawing/2014/main" id="{C7E10D7F-243E-E3F3-F049-2CA2EB6ABE20}"/>
+                <a16:creationId xmlns:a16="http://schemas.microsoft.com/office/drawing/2014/main" id="{38DDED47-CEAD-FDEC-DC8C-80B31E319A79}"/>
               </a:ext>
             </a:extLst>
           </p:cNvPr>
@@ -1597,7 +1597,7 @@
           <p:cNvPr id="4" name="内容占位符 3">
             <a:extLst>
               <a:ext uri="{FF2B5EF4-FFF2-40B4-BE49-F238E27FC236}">
-                <a16:creationId xmlns:a16="http://schemas.microsoft.com/office/drawing/2014/main" id="{2FD68E04-81DE-31D2-973C-A6462DC27CFF}"/>
+                <a16:creationId xmlns:a16="http://schemas.microsoft.com/office/drawing/2014/main" id="{DC4870AD-8420-4B9C-CBD7-735A74ECC8DB}"/>
               </a:ext>
             </a:extLst>
           </p:cNvPr>
@@ -1659,7 +1659,7 @@
           <p:cNvPr id="5" name="文本占位符 4">
             <a:extLst>
               <a:ext uri="{FF2B5EF4-FFF2-40B4-BE49-F238E27FC236}">
-                <a16:creationId xmlns:a16="http://schemas.microsoft.com/office/drawing/2014/main" id="{1E3DCD13-18E5-C401-489F-D4F8A55AAF2C}"/>
+                <a16:creationId xmlns:a16="http://schemas.microsoft.com/office/drawing/2014/main" id="{2375F390-4954-D44D-8262-97F827482BF7}"/>
               </a:ext>
             </a:extLst>
           </p:cNvPr>
@@ -1730,7 +1730,7 @@
           <p:cNvPr id="6" name="内容占位符 5">
             <a:extLst>
               <a:ext uri="{FF2B5EF4-FFF2-40B4-BE49-F238E27FC236}">
-                <a16:creationId xmlns:a16="http://schemas.microsoft.com/office/drawing/2014/main" id="{95109155-23D5-42FA-1A9B-3F8B5BAE19BD}"/>
+                <a16:creationId xmlns:a16="http://schemas.microsoft.com/office/drawing/2014/main" id="{288F01B9-BFF0-7E9A-D521-310685D453EA}"/>
               </a:ext>
             </a:extLst>
           </p:cNvPr>
@@ -1792,7 +1792,7 @@
           <p:cNvPr id="7" name="日期占位符 6">
             <a:extLst>
               <a:ext uri="{FF2B5EF4-FFF2-40B4-BE49-F238E27FC236}">
-                <a16:creationId xmlns:a16="http://schemas.microsoft.com/office/drawing/2014/main" id="{1F1AD1EB-CF97-AF3D-A4A8-C47F739F0D7A}"/>
+                <a16:creationId xmlns:a16="http://schemas.microsoft.com/office/drawing/2014/main" id="{A057AFA1-6320-1736-9E31-3FE54758A271}"/>
               </a:ext>
             </a:extLst>
           </p:cNvPr>
@@ -1808,7 +1808,7 @@
           <a:bodyPr/>
           <a:lstStyle/>
           <a:p>
-            <a:fld id="{F1E47892-FCA2-487E-A261-404B6675F697}" type="datetimeFigureOut">
+            <a:fld id="{DF4C4B23-B179-4CED-A02A-CF54174482E1}" type="datetimeFigureOut">
               <a:rPr lang="zh-CN" altLang="en-US" smtClean="0"/>
               <a:t>2024/3/10</a:t>
             </a:fld>
@@ -1821,7 +1821,7 @@
           <p:cNvPr id="8" name="页脚占位符 7">
             <a:extLst>
               <a:ext uri="{FF2B5EF4-FFF2-40B4-BE49-F238E27FC236}">
-                <a16:creationId xmlns:a16="http://schemas.microsoft.com/office/drawing/2014/main" id="{87ACB823-4158-EC86-95C1-3B4C16BCCBC6}"/>
+                <a16:creationId xmlns:a16="http://schemas.microsoft.com/office/drawing/2014/main" id="{E6CBEA66-95B4-4D47-4FF3-8CEB763F2FC9}"/>
               </a:ext>
             </a:extLst>
           </p:cNvPr>
@@ -1846,7 +1846,7 @@
           <p:cNvPr id="9" name="灯片编号占位符 8">
             <a:extLst>
               <a:ext uri="{FF2B5EF4-FFF2-40B4-BE49-F238E27FC236}">
-                <a16:creationId xmlns:a16="http://schemas.microsoft.com/office/drawing/2014/main" id="{368C4960-2A33-4B2D-D16E-DE9CEC7B6613}"/>
+                <a16:creationId xmlns:a16="http://schemas.microsoft.com/office/drawing/2014/main" id="{D36E692D-2C3D-F813-048A-3A72C7D95E68}"/>
               </a:ext>
             </a:extLst>
           </p:cNvPr>
@@ -1862,7 +1862,7 @@
           <a:bodyPr/>
           <a:lstStyle/>
           <a:p>
-            <a:fld id="{BF23EC1F-3AB1-4A00-904A-D2B7ABCFDB4D}" type="slidenum">
+            <a:fld id="{35A8E3FF-9C06-4AC3-BD1D-29771C25966A}" type="slidenum">
               <a:rPr lang="zh-CN" altLang="en-US" smtClean="0"/>
               <a:t>‹#›</a:t>
             </a:fld>
@@ -1873,7 +1873,7 @@
     </p:spTree>
     <p:extLst>
       <p:ext uri="{BB962C8B-B14F-4D97-AF65-F5344CB8AC3E}">
-        <p14:creationId xmlns:p14="http://schemas.microsoft.com/office/powerpoint/2010/main" val="3212480003"/>
+        <p14:creationId xmlns:p14="http://schemas.microsoft.com/office/powerpoint/2010/main" val="3279836595"/>
       </p:ext>
     </p:extLst>
   </p:cSld>
@@ -1905,7 +1905,7 @@
           <p:cNvPr id="2" name="标题 1">
             <a:extLst>
               <a:ext uri="{FF2B5EF4-FFF2-40B4-BE49-F238E27FC236}">
-                <a16:creationId xmlns:a16="http://schemas.microsoft.com/office/drawing/2014/main" id="{63039D79-3571-0EF6-1B71-F1610077AD56}"/>
+                <a16:creationId xmlns:a16="http://schemas.microsoft.com/office/drawing/2014/main" id="{15463A39-38F1-5AC5-7565-D01454A74F4E}"/>
               </a:ext>
             </a:extLst>
           </p:cNvPr>
@@ -1933,7 +1933,7 @@
           <p:cNvPr id="3" name="日期占位符 2">
             <a:extLst>
               <a:ext uri="{FF2B5EF4-FFF2-40B4-BE49-F238E27FC236}">
-                <a16:creationId xmlns:a16="http://schemas.microsoft.com/office/drawing/2014/main" id="{8C36F947-2280-F42E-A75C-5B80FBA9F5AD}"/>
+                <a16:creationId xmlns:a16="http://schemas.microsoft.com/office/drawing/2014/main" id="{5813602E-F104-3060-B845-4D831617CAA9}"/>
               </a:ext>
             </a:extLst>
           </p:cNvPr>
@@ -1949,7 +1949,7 @@
           <a:bodyPr/>
           <a:lstStyle/>
           <a:p>
-            <a:fld id="{F1E47892-FCA2-487E-A261-404B6675F697}" type="datetimeFigureOut">
+            <a:fld id="{DF4C4B23-B179-4CED-A02A-CF54174482E1}" type="datetimeFigureOut">
               <a:rPr lang="zh-CN" altLang="en-US" smtClean="0"/>
               <a:t>2024/3/10</a:t>
             </a:fld>
@@ -1962,7 +1962,7 @@
           <p:cNvPr id="4" name="页脚占位符 3">
             <a:extLst>
               <a:ext uri="{FF2B5EF4-FFF2-40B4-BE49-F238E27FC236}">
-                <a16:creationId xmlns:a16="http://schemas.microsoft.com/office/drawing/2014/main" id="{DE1BE2CA-89B5-B445-CBEB-B8B1D4F2F904}"/>
+                <a16:creationId xmlns:a16="http://schemas.microsoft.com/office/drawing/2014/main" id="{D9107A9B-2657-D1FD-81F0-292B669129DE}"/>
               </a:ext>
             </a:extLst>
           </p:cNvPr>
@@ -1987,7 +1987,7 @@
           <p:cNvPr id="5" name="灯片编号占位符 4">
             <a:extLst>
               <a:ext uri="{FF2B5EF4-FFF2-40B4-BE49-F238E27FC236}">
-                <a16:creationId xmlns:a16="http://schemas.microsoft.com/office/drawing/2014/main" id="{6688C0F1-C812-4C97-6CD4-8A0118BE5A8E}"/>
+                <a16:creationId xmlns:a16="http://schemas.microsoft.com/office/drawing/2014/main" id="{4CE995E8-07C4-7821-9C2C-2E05F7FA8B08}"/>
               </a:ext>
             </a:extLst>
           </p:cNvPr>
@@ -2003,7 +2003,7 @@
           <a:bodyPr/>
           <a:lstStyle/>
           <a:p>
-            <a:fld id="{BF23EC1F-3AB1-4A00-904A-D2B7ABCFDB4D}" type="slidenum">
+            <a:fld id="{35A8E3FF-9C06-4AC3-BD1D-29771C25966A}" type="slidenum">
               <a:rPr lang="zh-CN" altLang="en-US" smtClean="0"/>
               <a:t>‹#›</a:t>
             </a:fld>
@@ -2014,7 +2014,7 @@
     </p:spTree>
     <p:extLst>
       <p:ext uri="{BB962C8B-B14F-4D97-AF65-F5344CB8AC3E}">
-        <p14:creationId xmlns:p14="http://schemas.microsoft.com/office/powerpoint/2010/main" val="628127224"/>
+        <p14:creationId xmlns:p14="http://schemas.microsoft.com/office/powerpoint/2010/main" val="764875059"/>
       </p:ext>
     </p:extLst>
   </p:cSld>
@@ -2046,7 +2046,7 @@
           <p:cNvPr id="2" name="日期占位符 1">
             <a:extLst>
               <a:ext uri="{FF2B5EF4-FFF2-40B4-BE49-F238E27FC236}">
-                <a16:creationId xmlns:a16="http://schemas.microsoft.com/office/drawing/2014/main" id="{6455E936-6A6F-1F4C-4C50-374762CD9532}"/>
+                <a16:creationId xmlns:a16="http://schemas.microsoft.com/office/drawing/2014/main" id="{399914E2-A9AD-0248-25A7-4F23EE62CCC4}"/>
               </a:ext>
             </a:extLst>
           </p:cNvPr>
@@ -2062,7 +2062,7 @@
           <a:bodyPr/>
           <a:lstStyle/>
           <a:p>
-            <a:fld id="{F1E47892-FCA2-487E-A261-404B6675F697}" type="datetimeFigureOut">
+            <a:fld id="{DF4C4B23-B179-4CED-A02A-CF54174482E1}" type="datetimeFigureOut">
               <a:rPr lang="zh-CN" altLang="en-US" smtClean="0"/>
               <a:t>2024/3/10</a:t>
             </a:fld>
@@ -2075,7 +2075,7 @@
           <p:cNvPr id="3" name="页脚占位符 2">
             <a:extLst>
               <a:ext uri="{FF2B5EF4-FFF2-40B4-BE49-F238E27FC236}">
-                <a16:creationId xmlns:a16="http://schemas.microsoft.com/office/drawing/2014/main" id="{DEF6D6F1-854F-666F-87E5-34AC25CBD9A7}"/>
+                <a16:creationId xmlns:a16="http://schemas.microsoft.com/office/drawing/2014/main" id="{D03B9593-BD55-F9FC-7ABD-2690CA5A888D}"/>
               </a:ext>
             </a:extLst>
           </p:cNvPr>
@@ -2100,7 +2100,7 @@
           <p:cNvPr id="4" name="灯片编号占位符 3">
             <a:extLst>
               <a:ext uri="{FF2B5EF4-FFF2-40B4-BE49-F238E27FC236}">
-                <a16:creationId xmlns:a16="http://schemas.microsoft.com/office/drawing/2014/main" id="{914C9C1E-C697-229D-484B-AEC47823B546}"/>
+                <a16:creationId xmlns:a16="http://schemas.microsoft.com/office/drawing/2014/main" id="{FF511C65-65FE-3EBD-70D7-163AA092EA11}"/>
               </a:ext>
             </a:extLst>
           </p:cNvPr>
@@ -2116,7 +2116,7 @@
           <a:bodyPr/>
           <a:lstStyle/>
           <a:p>
-            <a:fld id="{BF23EC1F-3AB1-4A00-904A-D2B7ABCFDB4D}" type="slidenum">
+            <a:fld id="{35A8E3FF-9C06-4AC3-BD1D-29771C25966A}" type="slidenum">
               <a:rPr lang="zh-CN" altLang="en-US" smtClean="0"/>
               <a:t>‹#›</a:t>
             </a:fld>
@@ -2127,7 +2127,7 @@
     </p:spTree>
     <p:extLst>
       <p:ext uri="{BB962C8B-B14F-4D97-AF65-F5344CB8AC3E}">
-        <p14:creationId xmlns:p14="http://schemas.microsoft.com/office/powerpoint/2010/main" val="3820593662"/>
+        <p14:creationId xmlns:p14="http://schemas.microsoft.com/office/powerpoint/2010/main" val="3868768230"/>
       </p:ext>
     </p:extLst>
   </p:cSld>
@@ -2159,7 +2159,7 @@
           <p:cNvPr id="2" name="标题 1">
             <a:extLst>
               <a:ext uri="{FF2B5EF4-FFF2-40B4-BE49-F238E27FC236}">
-                <a16:creationId xmlns:a16="http://schemas.microsoft.com/office/drawing/2014/main" id="{E674ACEF-0624-165F-3930-53B2EB047550}"/>
+                <a16:creationId xmlns:a16="http://schemas.microsoft.com/office/drawing/2014/main" id="{A6D55ECF-DAF8-9C7D-8B00-D0A9E0AB8BDA}"/>
               </a:ext>
             </a:extLst>
           </p:cNvPr>
@@ -2196,7 +2196,7 @@
           <p:cNvPr id="3" name="内容占位符 2">
             <a:extLst>
               <a:ext uri="{FF2B5EF4-FFF2-40B4-BE49-F238E27FC236}">
-                <a16:creationId xmlns:a16="http://schemas.microsoft.com/office/drawing/2014/main" id="{610BB627-049A-A714-CA50-ABEA74625724}"/>
+                <a16:creationId xmlns:a16="http://schemas.microsoft.com/office/drawing/2014/main" id="{78076469-7EE3-7EA9-FB76-6E25FF56B7F4}"/>
               </a:ext>
             </a:extLst>
           </p:cNvPr>
@@ -2286,7 +2286,7 @@
           <p:cNvPr id="4" name="文本占位符 3">
             <a:extLst>
               <a:ext uri="{FF2B5EF4-FFF2-40B4-BE49-F238E27FC236}">
-                <a16:creationId xmlns:a16="http://schemas.microsoft.com/office/drawing/2014/main" id="{BCCC9CC8-CA63-3DF2-2031-70165A85F06F}"/>
+                <a16:creationId xmlns:a16="http://schemas.microsoft.com/office/drawing/2014/main" id="{AA8791C9-A3DE-6FA9-F69A-5374C51C1A70}"/>
               </a:ext>
             </a:extLst>
           </p:cNvPr>
@@ -2357,7 +2357,7 @@
           <p:cNvPr id="5" name="日期占位符 4">
             <a:extLst>
               <a:ext uri="{FF2B5EF4-FFF2-40B4-BE49-F238E27FC236}">
-                <a16:creationId xmlns:a16="http://schemas.microsoft.com/office/drawing/2014/main" id="{ED398863-116B-7BEF-C4FE-32C0E0D5084D}"/>
+                <a16:creationId xmlns:a16="http://schemas.microsoft.com/office/drawing/2014/main" id="{DE49B35D-C26E-C59F-254A-99EA0796BD6B}"/>
               </a:ext>
             </a:extLst>
           </p:cNvPr>
@@ -2373,7 +2373,7 @@
           <a:bodyPr/>
           <a:lstStyle/>
           <a:p>
-            <a:fld id="{F1E47892-FCA2-487E-A261-404B6675F697}" type="datetimeFigureOut">
+            <a:fld id="{DF4C4B23-B179-4CED-A02A-CF54174482E1}" type="datetimeFigureOut">
               <a:rPr lang="zh-CN" altLang="en-US" smtClean="0"/>
               <a:t>2024/3/10</a:t>
             </a:fld>
@@ -2386,7 +2386,7 @@
           <p:cNvPr id="6" name="页脚占位符 5">
             <a:extLst>
               <a:ext uri="{FF2B5EF4-FFF2-40B4-BE49-F238E27FC236}">
-                <a16:creationId xmlns:a16="http://schemas.microsoft.com/office/drawing/2014/main" id="{C7CD3EDC-93EE-1E42-6631-469F99D8A150}"/>
+                <a16:creationId xmlns:a16="http://schemas.microsoft.com/office/drawing/2014/main" id="{EEC76939-56E0-423D-2C91-775825844E3F}"/>
               </a:ext>
             </a:extLst>
           </p:cNvPr>
@@ -2411,7 +2411,7 @@
           <p:cNvPr id="7" name="灯片编号占位符 6">
             <a:extLst>
               <a:ext uri="{FF2B5EF4-FFF2-40B4-BE49-F238E27FC236}">
-                <a16:creationId xmlns:a16="http://schemas.microsoft.com/office/drawing/2014/main" id="{E43D37AD-B049-EC66-9C69-5332B5AC3292}"/>
+                <a16:creationId xmlns:a16="http://schemas.microsoft.com/office/drawing/2014/main" id="{3FEE2070-EDBA-3E8E-2391-53C1A9D27B88}"/>
               </a:ext>
             </a:extLst>
           </p:cNvPr>
@@ -2427,7 +2427,7 @@
           <a:bodyPr/>
           <a:lstStyle/>
           <a:p>
-            <a:fld id="{BF23EC1F-3AB1-4A00-904A-D2B7ABCFDB4D}" type="slidenum">
+            <a:fld id="{35A8E3FF-9C06-4AC3-BD1D-29771C25966A}" type="slidenum">
               <a:rPr lang="zh-CN" altLang="en-US" smtClean="0"/>
               <a:t>‹#›</a:t>
             </a:fld>
@@ -2438,7 +2438,7 @@
     </p:spTree>
     <p:extLst>
       <p:ext uri="{BB962C8B-B14F-4D97-AF65-F5344CB8AC3E}">
-        <p14:creationId xmlns:p14="http://schemas.microsoft.com/office/powerpoint/2010/main" val="235581673"/>
+        <p14:creationId xmlns:p14="http://schemas.microsoft.com/office/powerpoint/2010/main" val="2286774387"/>
       </p:ext>
     </p:extLst>
   </p:cSld>
@@ -2470,7 +2470,7 @@
           <p:cNvPr id="2" name="标题 1">
             <a:extLst>
               <a:ext uri="{FF2B5EF4-FFF2-40B4-BE49-F238E27FC236}">
-                <a16:creationId xmlns:a16="http://schemas.microsoft.com/office/drawing/2014/main" id="{F51BCCF5-7CBC-CE04-798E-44C58997442E}"/>
+                <a16:creationId xmlns:a16="http://schemas.microsoft.com/office/drawing/2014/main" id="{4305F639-9827-9320-0C8C-B90FE089E25F}"/>
               </a:ext>
             </a:extLst>
           </p:cNvPr>
@@ -2507,7 +2507,7 @@
           <p:cNvPr id="3" name="图片占位符 2">
             <a:extLst>
               <a:ext uri="{FF2B5EF4-FFF2-40B4-BE49-F238E27FC236}">
-                <a16:creationId xmlns:a16="http://schemas.microsoft.com/office/drawing/2014/main" id="{6819762F-32A7-D513-B314-EB3B939C04FC}"/>
+                <a16:creationId xmlns:a16="http://schemas.microsoft.com/office/drawing/2014/main" id="{DCB2F89E-539B-E354-904C-E38C8282AF30}"/>
               </a:ext>
             </a:extLst>
           </p:cNvPr>
@@ -2574,7 +2574,7 @@
           <p:cNvPr id="4" name="文本占位符 3">
             <a:extLst>
               <a:ext uri="{FF2B5EF4-FFF2-40B4-BE49-F238E27FC236}">
-                <a16:creationId xmlns:a16="http://schemas.microsoft.com/office/drawing/2014/main" id="{E267C17B-9F13-FBD5-0C53-FFF025986961}"/>
+                <a16:creationId xmlns:a16="http://schemas.microsoft.com/office/drawing/2014/main" id="{56801533-69B8-DAE2-23D8-9109F19F90F1}"/>
               </a:ext>
             </a:extLst>
           </p:cNvPr>
@@ -2645,7 +2645,7 @@
           <p:cNvPr id="5" name="日期占位符 4">
             <a:extLst>
               <a:ext uri="{FF2B5EF4-FFF2-40B4-BE49-F238E27FC236}">
-                <a16:creationId xmlns:a16="http://schemas.microsoft.com/office/drawing/2014/main" id="{342603EB-ED8E-6CAB-3AA3-C64051FC9F50}"/>
+                <a16:creationId xmlns:a16="http://schemas.microsoft.com/office/drawing/2014/main" id="{5D3C30A6-C2E2-93AA-B94B-D18D5D247664}"/>
               </a:ext>
             </a:extLst>
           </p:cNvPr>
@@ -2661,7 +2661,7 @@
           <a:bodyPr/>
           <a:lstStyle/>
           <a:p>
-            <a:fld id="{F1E47892-FCA2-487E-A261-404B6675F697}" type="datetimeFigureOut">
+            <a:fld id="{DF4C4B23-B179-4CED-A02A-CF54174482E1}" type="datetimeFigureOut">
               <a:rPr lang="zh-CN" altLang="en-US" smtClean="0"/>
               <a:t>2024/3/10</a:t>
             </a:fld>
@@ -2674,7 +2674,7 @@
           <p:cNvPr id="6" name="页脚占位符 5">
             <a:extLst>
               <a:ext uri="{FF2B5EF4-FFF2-40B4-BE49-F238E27FC236}">
-                <a16:creationId xmlns:a16="http://schemas.microsoft.com/office/drawing/2014/main" id="{5AB8CBD0-5B00-7E3B-42B8-C438ADD528F3}"/>
+                <a16:creationId xmlns:a16="http://schemas.microsoft.com/office/drawing/2014/main" id="{3519FE38-4DF3-011F-A6C8-553D73C1AD00}"/>
               </a:ext>
             </a:extLst>
           </p:cNvPr>
@@ -2699,7 +2699,7 @@
           <p:cNvPr id="7" name="灯片编号占位符 6">
             <a:extLst>
               <a:ext uri="{FF2B5EF4-FFF2-40B4-BE49-F238E27FC236}">
-                <a16:creationId xmlns:a16="http://schemas.microsoft.com/office/drawing/2014/main" id="{7CD3621A-8AB2-B9BE-DD12-7A582DAE166D}"/>
+                <a16:creationId xmlns:a16="http://schemas.microsoft.com/office/drawing/2014/main" id="{FF578E35-B7D9-24B4-B783-37BDFE245316}"/>
               </a:ext>
             </a:extLst>
           </p:cNvPr>
@@ -2715,7 +2715,7 @@
           <a:bodyPr/>
           <a:lstStyle/>
           <a:p>
-            <a:fld id="{BF23EC1F-3AB1-4A00-904A-D2B7ABCFDB4D}" type="slidenum">
+            <a:fld id="{35A8E3FF-9C06-4AC3-BD1D-29771C25966A}" type="slidenum">
               <a:rPr lang="zh-CN" altLang="en-US" smtClean="0"/>
               <a:t>‹#›</a:t>
             </a:fld>
@@ -2726,7 +2726,7 @@
     </p:spTree>
     <p:extLst>
       <p:ext uri="{BB962C8B-B14F-4D97-AF65-F5344CB8AC3E}">
-        <p14:creationId xmlns:p14="http://schemas.microsoft.com/office/powerpoint/2010/main" val="2114854071"/>
+        <p14:creationId xmlns:p14="http://schemas.microsoft.com/office/powerpoint/2010/main" val="1116723512"/>
       </p:ext>
     </p:extLst>
   </p:cSld>
@@ -2763,7 +2763,7 @@
           <p:cNvPr id="2" name="标题占位符 1">
             <a:extLst>
               <a:ext uri="{FF2B5EF4-FFF2-40B4-BE49-F238E27FC236}">
-                <a16:creationId xmlns:a16="http://schemas.microsoft.com/office/drawing/2014/main" id="{1843DB24-93A0-F34C-5289-3FDA74A4BB3A}"/>
+                <a16:creationId xmlns:a16="http://schemas.microsoft.com/office/drawing/2014/main" id="{0D6C8E2F-61E2-E299-AF44-83CDD2F6A48D}"/>
               </a:ext>
             </a:extLst>
           </p:cNvPr>
@@ -2801,7 +2801,7 @@
           <p:cNvPr id="3" name="文本占位符 2">
             <a:extLst>
               <a:ext uri="{FF2B5EF4-FFF2-40B4-BE49-F238E27FC236}">
-                <a16:creationId xmlns:a16="http://schemas.microsoft.com/office/drawing/2014/main" id="{BBB26C6C-ABCE-6001-8D45-604A750206B7}"/>
+                <a16:creationId xmlns:a16="http://schemas.microsoft.com/office/drawing/2014/main" id="{6BA48EDC-B4D5-E4C7-8686-BDB0C28F9703}"/>
               </a:ext>
             </a:extLst>
           </p:cNvPr>
@@ -2868,7 +2868,7 @@
           <p:cNvPr id="4" name="日期占位符 3">
             <a:extLst>
               <a:ext uri="{FF2B5EF4-FFF2-40B4-BE49-F238E27FC236}">
-                <a16:creationId xmlns:a16="http://schemas.microsoft.com/office/drawing/2014/main" id="{CF88158B-4A88-1D47-9451-9F9F73BDD0F2}"/>
+                <a16:creationId xmlns:a16="http://schemas.microsoft.com/office/drawing/2014/main" id="{C0A1330C-BB2F-7BAC-2D2B-52EDB4BFC606}"/>
               </a:ext>
             </a:extLst>
           </p:cNvPr>
@@ -2902,7 +2902,7 @@
             </a:lvl1pPr>
           </a:lstStyle>
           <a:p>
-            <a:fld id="{F1E47892-FCA2-487E-A261-404B6675F697}" type="datetimeFigureOut">
+            <a:fld id="{DF4C4B23-B179-4CED-A02A-CF54174482E1}" type="datetimeFigureOut">
               <a:rPr lang="zh-CN" altLang="en-US" smtClean="0"/>
               <a:t>2024/3/10</a:t>
             </a:fld>
@@ -2915,7 +2915,7 @@
           <p:cNvPr id="5" name="页脚占位符 4">
             <a:extLst>
               <a:ext uri="{FF2B5EF4-FFF2-40B4-BE49-F238E27FC236}">
-                <a16:creationId xmlns:a16="http://schemas.microsoft.com/office/drawing/2014/main" id="{121F027F-B094-75F3-17ED-531DD915B5C5}"/>
+                <a16:creationId xmlns:a16="http://schemas.microsoft.com/office/drawing/2014/main" id="{C3399E91-9BFD-0F0F-3B8F-31D642049150}"/>
               </a:ext>
             </a:extLst>
           </p:cNvPr>
@@ -2958,7 +2958,7 @@
           <p:cNvPr id="6" name="灯片编号占位符 5">
             <a:extLst>
               <a:ext uri="{FF2B5EF4-FFF2-40B4-BE49-F238E27FC236}">
-                <a16:creationId xmlns:a16="http://schemas.microsoft.com/office/drawing/2014/main" id="{8642BC1F-1CC0-12C1-4E4B-E036B8E98096}"/>
+                <a16:creationId xmlns:a16="http://schemas.microsoft.com/office/drawing/2014/main" id="{5A100D73-2D56-938E-903D-8690C1FA4DC8}"/>
               </a:ext>
             </a:extLst>
           </p:cNvPr>
@@ -2992,7 +2992,7 @@
             </a:lvl1pPr>
           </a:lstStyle>
           <a:p>
-            <a:fld id="{BF23EC1F-3AB1-4A00-904A-D2B7ABCFDB4D}" type="slidenum">
+            <a:fld id="{35A8E3FF-9C06-4AC3-BD1D-29771C25966A}" type="slidenum">
               <a:rPr lang="zh-CN" altLang="en-US" smtClean="0"/>
               <a:t>‹#›</a:t>
             </a:fld>
@@ -3003,7 +3003,7 @@
     </p:spTree>
     <p:extLst>
       <p:ext uri="{BB962C8B-B14F-4D97-AF65-F5344CB8AC3E}">
-        <p14:creationId xmlns:p14="http://schemas.microsoft.com/office/powerpoint/2010/main" val="57922079"/>
+        <p14:creationId xmlns:p14="http://schemas.microsoft.com/office/powerpoint/2010/main" val="3236718613"/>
       </p:ext>
     </p:extLst>
   </p:cSld>
@@ -3323,7 +3323,7 @@
       </p:grpSpPr>
       <p:pic>
         <p:nvPicPr>
-          <p:cNvPr id="530434" name="Picture 2" descr="517"/>
+          <p:cNvPr id="531458" name="Picture 2" descr="518"/>
           <p:cNvPicPr>
             <a:picLocks noChangeAspect="1" noChangeArrowheads="1"/>
           </p:cNvPicPr>
@@ -3345,7 +3345,7 @@
         <p:spPr bwMode="auto">
           <a:xfrm>
             <a:off x="1524000" y="0"/>
-            <a:ext cx="9144000" cy="6237288"/>
+            <a:ext cx="9144000" cy="6858000"/>
           </a:xfrm>
           <a:prstGeom prst="rect">
             <a:avLst/>
